--- a/Citi Bike Analysis – 2017.pptx
+++ b/Citi Bike Analysis – 2017.pptx
@@ -109,6 +109,11 @@
       </a:defRPr>
     </a:lvl9pPr>
   </p:defaultTextStyle>
+  <p:extLst>
+    <p:ext uri="{EFAFB233-063F-42B5-8137-9DF3F51BA10A}">
+      <p15:sldGuideLst xmlns:p15="http://schemas.microsoft.com/office/powerpoint/2012/main"/>
+    </p:ext>
+  </p:extLst>
 </p:presentation>
 </file>
 
@@ -6119,10 +6124,10 @@
       </p:sp>
       <p:pic>
         <p:nvPicPr>
-          <p:cNvPr id="7" name="Picture 6">
+          <p:cNvPr id="3" name="Picture 2">
             <a:extLst>
               <a:ext uri="{FF2B5EF4-FFF2-40B4-BE49-F238E27FC236}">
-                <a16:creationId xmlns:a16="http://schemas.microsoft.com/office/drawing/2014/main" id="{A4EB1BEF-E1FE-4A69-9D02-7909A6190605}"/>
+                <a16:creationId xmlns:a16="http://schemas.microsoft.com/office/drawing/2014/main" id="{2256F2E3-F456-46FE-8523-6F2FCDFCA93F}"/>
               </a:ext>
             </a:extLst>
           </p:cNvPr>
@@ -6139,8 +6144,8 @@
         </p:blipFill>
         <p:spPr>
           <a:xfrm>
-            <a:off x="453509" y="1270000"/>
-            <a:ext cx="5499173" cy="4485105"/>
+            <a:off x="591147" y="1270000"/>
+            <a:ext cx="5308599" cy="4333954"/>
           </a:xfrm>
           <a:prstGeom prst="rect">
             <a:avLst/>
@@ -6149,10 +6154,10 @@
       </p:pic>
       <p:pic>
         <p:nvPicPr>
-          <p:cNvPr id="8" name="Picture 7">
+          <p:cNvPr id="4" name="Picture 3">
             <a:extLst>
               <a:ext uri="{FF2B5EF4-FFF2-40B4-BE49-F238E27FC236}">
-                <a16:creationId xmlns:a16="http://schemas.microsoft.com/office/drawing/2014/main" id="{26DDA385-2D5E-42E6-AB84-DCAA24BE1E04}"/>
+                <a16:creationId xmlns:a16="http://schemas.microsoft.com/office/drawing/2014/main" id="{C5E6B111-A9AE-4591-9C9C-A6A4A108BB16}"/>
               </a:ext>
             </a:extLst>
           </p:cNvPr>
@@ -6169,8 +6174,8 @@
         </p:blipFill>
         <p:spPr>
           <a:xfrm>
-            <a:off x="6152517" y="1376504"/>
-            <a:ext cx="5308599" cy="4343849"/>
+            <a:off x="6126735" y="1336754"/>
+            <a:ext cx="5229029" cy="4267200"/>
           </a:xfrm>
           <a:prstGeom prst="rect">
             <a:avLst/>
